--- a/Presentacion.pptx
+++ b/Presentacion.pptx
@@ -107,6 +107,11 @@
       </a:defRPr>
     </a:lvl9pPr>
   </p:defaultTextStyle>
+  <p:extLst>
+    <p:ext uri="{EFAFB233-063F-42B5-8137-9DF3F51BA10A}">
+      <p15:sldGuideLst xmlns:p15="http://schemas.microsoft.com/office/powerpoint/2012/main"/>
+    </p:ext>
+  </p:extLst>
 </p:presentation>
 </file>
 
@@ -5837,7 +5842,12 @@
             <p:ph type="ctrTitle"/>
           </p:nvPr>
         </p:nvSpPr>
-        <p:spPr/>
+        <p:spPr>
+          <a:xfrm>
+            <a:off x="1902852" y="780450"/>
+            <a:ext cx="7766936" cy="1646302"/>
+          </a:xfrm>
+        </p:spPr>
         <p:txBody>
           <a:bodyPr/>
           <a:lstStyle/>
@@ -5847,6 +5857,106 @@
               <a:t>WalkApp</a:t>
             </a:r>
             <a:endParaRPr lang="es-PE" dirty="0"/>
+          </a:p>
+        </p:txBody>
+      </p:sp>
+      <p:sp>
+        <p:nvSpPr>
+          <p:cNvPr id="3" name="CuadroTexto 2"/>
+          <p:cNvSpPr txBox="1"/>
+          <p:nvPr/>
+        </p:nvSpPr>
+        <p:spPr>
+          <a:xfrm>
+            <a:off x="7185895" y="3098042"/>
+            <a:ext cx="2483893" cy="369332"/>
+          </a:xfrm>
+          <a:prstGeom prst="rect">
+            <a:avLst/>
+          </a:prstGeom>
+          <a:noFill/>
+        </p:spPr>
+        <p:txBody>
+          <a:bodyPr wrap="square" rtlCol="0">
+            <a:spAutoFit/>
+          </a:bodyPr>
+          <a:lstStyle/>
+          <a:p>
+            <a:r>
+              <a:rPr lang="es-PE" dirty="0" err="1" smtClean="0"/>
+              <a:t>StartUp</a:t>
+            </a:r>
+            <a:r>
+              <a:rPr lang="es-PE" dirty="0" smtClean="0"/>
+              <a:t>: </a:t>
+            </a:r>
+            <a:r>
+              <a:rPr lang="es-PE" dirty="0" err="1" smtClean="0"/>
+              <a:t>Diamond</a:t>
+            </a:r>
+            <a:r>
+              <a:rPr lang="es-PE" dirty="0" smtClean="0"/>
+              <a:t> </a:t>
+            </a:r>
+            <a:r>
+              <a:rPr lang="es-PE" dirty="0" err="1" smtClean="0"/>
+              <a:t>Soft</a:t>
+            </a:r>
+            <a:endParaRPr lang="es-PE" dirty="0"/>
+          </a:p>
+        </p:txBody>
+      </p:sp>
+      <p:sp>
+        <p:nvSpPr>
+          <p:cNvPr id="4" name="CuadroTexto 3"/>
+          <p:cNvSpPr txBox="1"/>
+          <p:nvPr/>
+        </p:nvSpPr>
+        <p:spPr>
+          <a:xfrm>
+            <a:off x="7185895" y="4326340"/>
+            <a:ext cx="2715904" cy="1015663"/>
+          </a:xfrm>
+          <a:prstGeom prst="rect">
+            <a:avLst/>
+          </a:prstGeom>
+          <a:noFill/>
+        </p:spPr>
+        <p:txBody>
+          <a:bodyPr wrap="square" rtlCol="0">
+            <a:spAutoFit/>
+          </a:bodyPr>
+          <a:lstStyle/>
+          <a:p>
+            <a:r>
+              <a:rPr lang="es-PE" sz="2400" dirty="0" smtClean="0"/>
+              <a:t>Integrantes:</a:t>
+            </a:r>
+          </a:p>
+          <a:p>
+            <a:pPr marL="285750" indent="-285750">
+              <a:buFont typeface="Arial" panose="020B0604020202020204" pitchFamily="34" charset="0"/>
+              <a:buChar char="•"/>
+            </a:pPr>
+            <a:r>
+              <a:rPr lang="es-PE" dirty="0" smtClean="0"/>
+              <a:t>Misael Herrero</a:t>
+            </a:r>
+          </a:p>
+          <a:p>
+            <a:pPr marL="285750" indent="-285750">
+              <a:buFont typeface="Arial" panose="020B0604020202020204" pitchFamily="34" charset="0"/>
+              <a:buChar char="•"/>
+            </a:pPr>
+            <a:r>
+              <a:rPr lang="es-PE" dirty="0" smtClean="0"/>
+              <a:t>Gonzalo </a:t>
+            </a:r>
+            <a:r>
+              <a:rPr lang="es-PE" dirty="0" err="1" smtClean="0"/>
+              <a:t>Nuñez</a:t>
+            </a:r>
+            <a:endParaRPr lang="es-PE" dirty="0" smtClean="0"/>
           </a:p>
         </p:txBody>
       </p:sp>
